--- a/docs/WorkoutCreator_ddd_react.pptx
+++ b/docs/WorkoutCreator_ddd_react.pptx
@@ -108,6 +108,11 @@
       </a:defRPr>
     </a:lvl9pPr>
   </p:defaultTextStyle>
+  <p:extLst>
+    <p:ext uri="{EFAFB233-063F-42B5-8137-9DF3F51BA10A}">
+      <p15:sldGuideLst xmlns:p15="http://schemas.microsoft.com/office/powerpoint/2012/main"/>
+    </p:ext>
+  </p:extLst>
 </p:presentation>
 </file>
 
@@ -337,7 +342,7 @@
           <a:p>
             <a:fld id="{125E613F-02FC-49D1-94EF-A7ED1B751A00}" type="datetimeFigureOut">
               <a:rPr lang="en-US" smtClean="0"/>
-              <a:t>7/25/2020</a:t>
+              <a:t>9/8/2020</a:t>
             </a:fld>
             <a:endParaRPr lang="en-US"/>
           </a:p>
@@ -545,7 +550,7 @@
           <a:p>
             <a:fld id="{125E613F-02FC-49D1-94EF-A7ED1B751A00}" type="datetimeFigureOut">
               <a:rPr lang="en-US" smtClean="0"/>
-              <a:t>7/25/2020</a:t>
+              <a:t>9/8/2020</a:t>
             </a:fld>
             <a:endParaRPr lang="en-US"/>
           </a:p>
@@ -801,7 +806,7 @@
           <a:p>
             <a:fld id="{125E613F-02FC-49D1-94EF-A7ED1B751A00}" type="datetimeFigureOut">
               <a:rPr lang="en-US" smtClean="0"/>
-              <a:t>7/25/2020</a:t>
+              <a:t>9/8/2020</a:t>
             </a:fld>
             <a:endParaRPr lang="en-US"/>
           </a:p>
@@ -971,7 +976,7 @@
           <a:p>
             <a:fld id="{125E613F-02FC-49D1-94EF-A7ED1B751A00}" type="datetimeFigureOut">
               <a:rPr lang="en-US" smtClean="0"/>
-              <a:t>7/25/2020</a:t>
+              <a:t>9/8/2020</a:t>
             </a:fld>
             <a:endParaRPr lang="en-US"/>
           </a:p>
@@ -1314,7 +1319,7 @@
           <a:p>
             <a:fld id="{125E613F-02FC-49D1-94EF-A7ED1B751A00}" type="datetimeFigureOut">
               <a:rPr lang="en-US" smtClean="0"/>
-              <a:t>7/25/2020</a:t>
+              <a:t>9/8/2020</a:t>
             </a:fld>
             <a:endParaRPr lang="en-US"/>
           </a:p>
@@ -1589,7 +1594,7 @@
           <a:p>
             <a:fld id="{125E613F-02FC-49D1-94EF-A7ED1B751A00}" type="datetimeFigureOut">
               <a:rPr lang="en-US" smtClean="0"/>
-              <a:t>7/25/2020</a:t>
+              <a:t>9/8/2020</a:t>
             </a:fld>
             <a:endParaRPr lang="en-US"/>
           </a:p>
@@ -1968,7 +1973,7 @@
           <a:p>
             <a:fld id="{125E613F-02FC-49D1-94EF-A7ED1B751A00}" type="datetimeFigureOut">
               <a:rPr lang="en-US" smtClean="0"/>
-              <a:t>7/25/2020</a:t>
+              <a:t>9/8/2020</a:t>
             </a:fld>
             <a:endParaRPr lang="en-US"/>
           </a:p>
@@ -2086,7 +2091,7 @@
           <a:p>
             <a:fld id="{125E613F-02FC-49D1-94EF-A7ED1B751A00}" type="datetimeFigureOut">
               <a:rPr lang="en-US" smtClean="0"/>
-              <a:t>7/25/2020</a:t>
+              <a:t>9/8/2020</a:t>
             </a:fld>
             <a:endParaRPr lang="en-US"/>
           </a:p>
@@ -2257,7 +2262,7 @@
           <a:p>
             <a:fld id="{125E613F-02FC-49D1-94EF-A7ED1B751A00}" type="datetimeFigureOut">
               <a:rPr lang="en-US" smtClean="0"/>
-              <a:t>7/25/2020</a:t>
+              <a:t>9/8/2020</a:t>
             </a:fld>
             <a:endParaRPr lang="en-US"/>
           </a:p>
@@ -2611,7 +2616,7 @@
           <a:p>
             <a:fld id="{125E613F-02FC-49D1-94EF-A7ED1B751A00}" type="datetimeFigureOut">
               <a:rPr lang="en-US" smtClean="0"/>
-              <a:t>7/25/2020</a:t>
+              <a:t>9/8/2020</a:t>
             </a:fld>
             <a:endParaRPr lang="en-US"/>
           </a:p>
@@ -2988,7 +2993,7 @@
           <a:p>
             <a:fld id="{125E613F-02FC-49D1-94EF-A7ED1B751A00}" type="datetimeFigureOut">
               <a:rPr lang="en-US" smtClean="0"/>
-              <a:t>7/25/2020</a:t>
+              <a:t>9/8/2020</a:t>
             </a:fld>
             <a:endParaRPr lang="en-US"/>
           </a:p>
@@ -3275,7 +3280,7 @@
           <a:p>
             <a:fld id="{125E613F-02FC-49D1-94EF-A7ED1B751A00}" type="datetimeFigureOut">
               <a:rPr lang="en-US" smtClean="0"/>
-              <a:t>7/25/2020</a:t>
+              <a:t>9/8/2020</a:t>
             </a:fld>
             <a:endParaRPr lang="en-US"/>
           </a:p>
@@ -4039,8 +4044,13 @@
             </a:pPr>
             <a:r>
               <a:rPr lang="bg-BG" dirty="0" smtClean="0"/>
-              <a:t> Нерегистриран потребител – може да разглежда всички упражнения</a:t>
-            </a:r>
+              <a:t> Нерегистриран потребител – може да разглежда всички </a:t>
+            </a:r>
+            <a:r>
+              <a:rPr lang="bg-BG" dirty="0" smtClean="0"/>
+              <a:t>упражнения.</a:t>
+            </a:r>
+            <a:endParaRPr lang="bg-BG" dirty="0" smtClean="0"/>
           </a:p>
           <a:p>
             <a:pPr>
@@ -4057,7 +4067,19 @@
             </a:r>
             <a:r>
               <a:rPr lang="bg-BG" dirty="0" smtClean="0"/>
-              <a:t>упражнения, да създава собствена тренировка, да разглежда своите тренировки и да прави промени по тях</a:t>
+              <a:t>упражнения, </a:t>
+            </a:r>
+            <a:r>
+              <a:rPr lang="bg-BG" dirty="0" smtClean="0"/>
+              <a:t>да добавя упражнения в любими, да </a:t>
+            </a:r>
+            <a:r>
+              <a:rPr lang="bg-BG" dirty="0" smtClean="0"/>
+              <a:t>създава собствена тренировка, да разглежда своите тренировки и да прави промени по </a:t>
+            </a:r>
+            <a:r>
+              <a:rPr lang="bg-BG" dirty="0" smtClean="0"/>
+              <a:t>тях.</a:t>
             </a:r>
             <a:endParaRPr lang="en-US" dirty="0"/>
           </a:p>
@@ -4186,7 +4208,11 @@
             </a:pPr>
             <a:r>
               <a:rPr lang="en-US" dirty="0" smtClean="0"/>
-              <a:t> React</a:t>
+              <a:t> </a:t>
+            </a:r>
+            <a:r>
+              <a:rPr lang="en-US" dirty="0" smtClean="0"/>
+              <a:t>Angular 10</a:t>
             </a:r>
           </a:p>
           <a:p>
@@ -4196,13 +4222,8 @@
             </a:pPr>
             <a:r>
               <a:rPr lang="en-US" dirty="0" smtClean="0"/>
-              <a:t> </a:t>
-            </a:r>
-            <a:r>
-              <a:rPr lang="en-US" dirty="0" err="1" smtClean="0"/>
-              <a:t>MobX</a:t>
-            </a:r>
-            <a:endParaRPr lang="bg-BG" dirty="0" smtClean="0"/>
+              <a:t> Material Design</a:t>
+            </a:r>
           </a:p>
           <a:p>
             <a:pPr>
@@ -4210,13 +4231,23 @@
               <a:buChar char="•"/>
             </a:pPr>
             <a:r>
-              <a:rPr lang="bg-BG" dirty="0" smtClean="0"/>
+              <a:rPr lang="en-US" dirty="0" smtClean="0"/>
               <a:t> </a:t>
             </a:r>
             <a:r>
               <a:rPr lang="en-US" dirty="0" err="1" smtClean="0"/>
-              <a:t>ChakraUI</a:t>
-            </a:r>
+              <a:t>Dragula</a:t>
+            </a:r>
+            <a:r>
+              <a:rPr lang="en-US" dirty="0" smtClean="0"/>
+              <a:t> Ng</a:t>
+            </a:r>
+          </a:p>
+          <a:p>
+            <a:pPr>
+              <a:buFont typeface="Arial" panose="020B0604020202020204" pitchFamily="34" charset="0"/>
+              <a:buChar char="•"/>
+            </a:pPr>
             <a:endParaRPr lang="en-US" dirty="0"/>
           </a:p>
         </p:txBody>
@@ -4261,6 +4292,13 @@
   <p:clrMapOvr>
     <a:masterClrMapping/>
   </p:clrMapOvr>
+  <p:timing>
+    <p:tnLst>
+      <p:par>
+        <p:cTn id="1" dur="indefinite" restart="never" nodeType="tmRoot"/>
+      </p:par>
+    </p:tnLst>
+  </p:timing>
 </p:sld>
 </file>
 
@@ -4350,6 +4388,13 @@
   <p:clrMapOvr>
     <a:masterClrMapping/>
   </p:clrMapOvr>
+  <p:timing>
+    <p:tnLst>
+      <p:par>
+        <p:cTn id="1" dur="indefinite" restart="never" nodeType="tmRoot"/>
+      </p:par>
+    </p:tnLst>
+  </p:timing>
 </p:sld>
 </file>
 
